--- a/DSI EURUSD Powerpoint.pptx
+++ b/DSI EURUSD Powerpoint.pptx
@@ -222,7 +222,7 @@
           <a:p>
             <a:fld id="{63A7B76C-F787-49D0-9104-7559F9160E79}" type="datetimeFigureOut">
               <a:rPr lang="en-US" smtClean="0"/>
-              <a:t>1/13/2022</a:t>
+              <a:t>1/14/2022</a:t>
             </a:fld>
             <a:endParaRPr lang="en-US"/>
           </a:p>
@@ -1212,7 +1212,7 @@
             <a:fld id="{53074F12-AA26-4AC8-9962-C36BB8F32554}" type="datetimeFigureOut">
               <a:rPr lang="en-US" smtClean="0"/>
               <a:pPr/>
-              <a:t>1/13/2022</a:t>
+              <a:t>1/14/2022</a:t>
             </a:fld>
             <a:endParaRPr lang="en-US"/>
           </a:p>
@@ -1466,7 +1466,7 @@
             <a:fld id="{53074F12-AA26-4AC8-9962-C36BB8F32554}" type="datetimeFigureOut">
               <a:rPr lang="en-US" smtClean="0"/>
               <a:pPr/>
-              <a:t>1/13/2022</a:t>
+              <a:t>1/14/2022</a:t>
             </a:fld>
             <a:endParaRPr lang="en-US"/>
           </a:p>
@@ -1636,7 +1636,7 @@
             <a:fld id="{53074F12-AA26-4AC8-9962-C36BB8F32554}" type="datetimeFigureOut">
               <a:rPr lang="en-US" smtClean="0"/>
               <a:pPr/>
-              <a:t>1/13/2022</a:t>
+              <a:t>1/14/2022</a:t>
             </a:fld>
             <a:endParaRPr lang="en-US"/>
           </a:p>
@@ -1816,7 +1816,7 @@
             <a:fld id="{53074F12-AA26-4AC8-9962-C36BB8F32554}" type="datetimeFigureOut">
               <a:rPr lang="en-US" smtClean="0"/>
               <a:pPr/>
-              <a:t>1/13/2022</a:t>
+              <a:t>1/14/2022</a:t>
             </a:fld>
             <a:endParaRPr lang="en-US"/>
           </a:p>
@@ -2098,7 +2098,7 @@
             <a:fld id="{53074F12-AA26-4AC8-9962-C36BB8F32554}" type="datetimeFigureOut">
               <a:rPr lang="en-US" smtClean="0"/>
               <a:pPr/>
-              <a:t>1/13/2022</a:t>
+              <a:t>1/14/2022</a:t>
             </a:fld>
             <a:endParaRPr lang="en-US"/>
           </a:p>
@@ -2345,7 +2345,7 @@
             <a:fld id="{53074F12-AA26-4AC8-9962-C36BB8F32554}" type="datetimeFigureOut">
               <a:rPr lang="en-US" smtClean="0"/>
               <a:pPr/>
-              <a:t>1/13/2022</a:t>
+              <a:t>1/14/2022</a:t>
             </a:fld>
             <a:endParaRPr lang="en-US"/>
           </a:p>
@@ -2592,7 +2592,7 @@
             <a:fld id="{53074F12-AA26-4AC8-9962-C36BB8F32554}" type="datetimeFigureOut">
               <a:rPr lang="en-US" smtClean="0"/>
               <a:pPr/>
-              <a:t>1/13/2022</a:t>
+              <a:t>1/14/2022</a:t>
             </a:fld>
             <a:endParaRPr lang="en-US"/>
           </a:p>
@@ -2879,7 +2879,7 @@
             <a:fld id="{53074F12-AA26-4AC8-9962-C36BB8F32554}" type="datetimeFigureOut">
               <a:rPr lang="en-US" smtClean="0"/>
               <a:pPr/>
-              <a:t>1/13/2022</a:t>
+              <a:t>1/14/2022</a:t>
             </a:fld>
             <a:endParaRPr lang="en-US"/>
           </a:p>
@@ -3366,7 +3366,7 @@
             <a:fld id="{53074F12-AA26-4AC8-9962-C36BB8F32554}" type="datetimeFigureOut">
               <a:rPr lang="en-US" smtClean="0"/>
               <a:pPr/>
-              <a:t>1/13/2022</a:t>
+              <a:t>1/14/2022</a:t>
             </a:fld>
             <a:endParaRPr lang="en-US"/>
           </a:p>
@@ -3485,7 +3485,7 @@
             <a:fld id="{53074F12-AA26-4AC8-9962-C36BB8F32554}" type="datetimeFigureOut">
               <a:rPr lang="en-US" smtClean="0"/>
               <a:pPr/>
-              <a:t>1/13/2022</a:t>
+              <a:t>1/14/2022</a:t>
             </a:fld>
             <a:endParaRPr lang="en-US"/>
           </a:p>
@@ -3582,7 +3582,7 @@
             <a:fld id="{53074F12-AA26-4AC8-9962-C36BB8F32554}" type="datetimeFigureOut">
               <a:rPr lang="en-US" smtClean="0"/>
               <a:pPr/>
-              <a:t>1/13/2022</a:t>
+              <a:t>1/14/2022</a:t>
             </a:fld>
             <a:endParaRPr lang="en-US"/>
           </a:p>
@@ -3859,7 +3859,7 @@
             <a:fld id="{53074F12-AA26-4AC8-9962-C36BB8F32554}" type="datetimeFigureOut">
               <a:rPr lang="en-US" smtClean="0"/>
               <a:pPr/>
-              <a:t>1/13/2022</a:t>
+              <a:t>1/14/2022</a:t>
             </a:fld>
             <a:endParaRPr lang="en-US"/>
           </a:p>
@@ -4081,7 +4081,7 @@
             <a:fld id="{53074F12-AA26-4AC8-9962-C36BB8F32554}" type="datetimeFigureOut">
               <a:rPr lang="en-US" smtClean="0"/>
               <a:pPr/>
-              <a:t>1/13/2022</a:t>
+              <a:t>1/14/2022</a:t>
             </a:fld>
             <a:endParaRPr lang="en-US"/>
           </a:p>
@@ -4613,7 +4613,7 @@
             </a:pPr>
             <a:r>
               <a:rPr lang="en-US" sz="3300" dirty="0"/>
-              <a:t>Rolling Average/STD Correlation</a:t>
+              <a:t>Feature to Target Correlation</a:t>
             </a:r>
           </a:p>
         </p:txBody>
@@ -4748,7 +4748,7 @@
             <a:pPr lvl="1"/>
             <a:r>
               <a:rPr lang="en-US" dirty="0"/>
-              <a:t>Helps solve large problems simple RNN’s face with gradient descent since RNN can keep, forget, or ignore values</a:t>
+              <a:t>Helps solve problems simple RNN’s face with gradient descent since RNN can keep, forget, or ignore values</a:t>
             </a:r>
           </a:p>
           <a:p>
@@ -5146,6 +5146,50 @@
           </a:prstGeom>
         </p:spPr>
       </p:pic>
+      <p:sp>
+        <p:nvSpPr>
+          <p:cNvPr id="2" name="TextBox 1">
+            <a:extLst>
+              <a:ext uri="{FF2B5EF4-FFF2-40B4-BE49-F238E27FC236}">
+                <a16:creationId xmlns:a16="http://schemas.microsoft.com/office/drawing/2014/main" id="{951AC48E-DECF-495E-B199-E441AF64B9CE}"/>
+              </a:ext>
+            </a:extLst>
+          </p:cNvPr>
+          <p:cNvSpPr txBox="1"/>
+          <p:nvPr/>
+        </p:nvSpPr>
+        <p:spPr>
+          <a:xfrm>
+            <a:off x="3197655" y="3335275"/>
+            <a:ext cx="3817625" cy="1477328"/>
+          </a:xfrm>
+          <a:prstGeom prst="rect">
+            <a:avLst/>
+          </a:prstGeom>
+          <a:noFill/>
+        </p:spPr>
+        <p:txBody>
+          <a:bodyPr wrap="square" rtlCol="0">
+            <a:spAutoFit/>
+          </a:bodyPr>
+          <a:lstStyle/>
+          <a:p>
+            <a:r>
+              <a:rPr lang="en-US" dirty="0"/>
+              <a:t>Model 1: Average prediction versus actual difference ~30 pips</a:t>
+            </a:r>
+          </a:p>
+          <a:p>
+            <a:endParaRPr lang="en-US" dirty="0"/>
+          </a:p>
+          <a:p>
+            <a:r>
+              <a:rPr lang="en-US" dirty="0"/>
+              <a:t>Actual Data: average daily movement is 45 pips</a:t>
+            </a:r>
+          </a:p>
+        </p:txBody>
+      </p:sp>
     </p:spTree>
     <p:extLst>
       <p:ext uri="{BB962C8B-B14F-4D97-AF65-F5344CB8AC3E}">
@@ -5343,7 +5387,7 @@
           <a:p>
             <a:r>
               <a:rPr lang="en-US" dirty="0"/>
-              <a:t>The more accurate our prediction, the better we can use future predictions to predict price movements</a:t>
+              <a:t>The more accurate our prediction, the better we can  predict future price movements</a:t>
             </a:r>
           </a:p>
           <a:p>
